--- a/Banco de Dados/Prova Pratica 14.04.25/Prova pratica.pptx
+++ b/Banco de Dados/Prova Pratica 14.04.25/Prova pratica.pptx
@@ -111,6 +111,11 @@
       </a:defRPr>
     </a:lvl9pPr>
   </p:defaultTextStyle>
+  <p:extLst>
+    <p:ext uri="{EFAFB233-063F-42B5-8137-9DF3F51BA10A}">
+      <p15:sldGuideLst xmlns:p15="http://schemas.microsoft.com/office/powerpoint/2012/main"/>
+    </p:ext>
+  </p:extLst>
 </p:presentation>
 </file>
 
@@ -261,7 +266,7 @@
           <a:p>
             <a:fld id="{AC990E9E-DFBF-474F-9418-4F79E6BAA43C}" type="datetimeFigureOut">
               <a:rPr lang="pt-BR" smtClean="0"/>
-              <a:t>14/04/2025</a:t>
+              <a:t>15/04/2025</a:t>
             </a:fld>
             <a:endParaRPr lang="pt-BR"/>
           </a:p>
@@ -459,7 +464,7 @@
           <a:p>
             <a:fld id="{AC990E9E-DFBF-474F-9418-4F79E6BAA43C}" type="datetimeFigureOut">
               <a:rPr lang="pt-BR" smtClean="0"/>
-              <a:t>14/04/2025</a:t>
+              <a:t>15/04/2025</a:t>
             </a:fld>
             <a:endParaRPr lang="pt-BR"/>
           </a:p>
@@ -667,7 +672,7 @@
           <a:p>
             <a:fld id="{AC990E9E-DFBF-474F-9418-4F79E6BAA43C}" type="datetimeFigureOut">
               <a:rPr lang="pt-BR" smtClean="0"/>
-              <a:t>14/04/2025</a:t>
+              <a:t>15/04/2025</a:t>
             </a:fld>
             <a:endParaRPr lang="pt-BR"/>
           </a:p>
@@ -865,7 +870,7 @@
           <a:p>
             <a:fld id="{AC990E9E-DFBF-474F-9418-4F79E6BAA43C}" type="datetimeFigureOut">
               <a:rPr lang="pt-BR" smtClean="0"/>
-              <a:t>14/04/2025</a:t>
+              <a:t>15/04/2025</a:t>
             </a:fld>
             <a:endParaRPr lang="pt-BR"/>
           </a:p>
@@ -1140,7 +1145,7 @@
           <a:p>
             <a:fld id="{AC990E9E-DFBF-474F-9418-4F79E6BAA43C}" type="datetimeFigureOut">
               <a:rPr lang="pt-BR" smtClean="0"/>
-              <a:t>14/04/2025</a:t>
+              <a:t>15/04/2025</a:t>
             </a:fld>
             <a:endParaRPr lang="pt-BR"/>
           </a:p>
@@ -1405,7 +1410,7 @@
           <a:p>
             <a:fld id="{AC990E9E-DFBF-474F-9418-4F79E6BAA43C}" type="datetimeFigureOut">
               <a:rPr lang="pt-BR" smtClean="0"/>
-              <a:t>14/04/2025</a:t>
+              <a:t>15/04/2025</a:t>
             </a:fld>
             <a:endParaRPr lang="pt-BR"/>
           </a:p>
@@ -1817,7 +1822,7 @@
           <a:p>
             <a:fld id="{AC990E9E-DFBF-474F-9418-4F79E6BAA43C}" type="datetimeFigureOut">
               <a:rPr lang="pt-BR" smtClean="0"/>
-              <a:t>14/04/2025</a:t>
+              <a:t>15/04/2025</a:t>
             </a:fld>
             <a:endParaRPr lang="pt-BR"/>
           </a:p>
@@ -1958,7 +1963,7 @@
           <a:p>
             <a:fld id="{AC990E9E-DFBF-474F-9418-4F79E6BAA43C}" type="datetimeFigureOut">
               <a:rPr lang="pt-BR" smtClean="0"/>
-              <a:t>14/04/2025</a:t>
+              <a:t>15/04/2025</a:t>
             </a:fld>
             <a:endParaRPr lang="pt-BR"/>
           </a:p>
@@ -2071,7 +2076,7 @@
           <a:p>
             <a:fld id="{AC990E9E-DFBF-474F-9418-4F79E6BAA43C}" type="datetimeFigureOut">
               <a:rPr lang="pt-BR" smtClean="0"/>
-              <a:t>14/04/2025</a:t>
+              <a:t>15/04/2025</a:t>
             </a:fld>
             <a:endParaRPr lang="pt-BR"/>
           </a:p>
@@ -2382,7 +2387,7 @@
           <a:p>
             <a:fld id="{AC990E9E-DFBF-474F-9418-4F79E6BAA43C}" type="datetimeFigureOut">
               <a:rPr lang="pt-BR" smtClean="0"/>
-              <a:t>14/04/2025</a:t>
+              <a:t>15/04/2025</a:t>
             </a:fld>
             <a:endParaRPr lang="pt-BR"/>
           </a:p>
@@ -2670,7 +2675,7 @@
           <a:p>
             <a:fld id="{AC990E9E-DFBF-474F-9418-4F79E6BAA43C}" type="datetimeFigureOut">
               <a:rPr lang="pt-BR" smtClean="0"/>
-              <a:t>14/04/2025</a:t>
+              <a:t>15/04/2025</a:t>
             </a:fld>
             <a:endParaRPr lang="pt-BR"/>
           </a:p>
@@ -2911,7 +2916,7 @@
           <a:p>
             <a:fld id="{AC990E9E-DFBF-474F-9418-4F79E6BAA43C}" type="datetimeFigureOut">
               <a:rPr lang="pt-BR" smtClean="0"/>
-              <a:t>14/04/2025</a:t>
+              <a:t>15/04/2025</a:t>
             </a:fld>
             <a:endParaRPr lang="pt-BR"/>
           </a:p>
@@ -3330,10 +3335,10 @@
       </p:grpSpPr>
       <p:pic>
         <p:nvPicPr>
-          <p:cNvPr id="7" name="Imagem 6">
-            <a:extLst>
-              <a:ext uri="{FF2B5EF4-FFF2-40B4-BE49-F238E27FC236}">
-                <a16:creationId xmlns:a16="http://schemas.microsoft.com/office/drawing/2014/main" id="{266F6E78-6554-8D0F-41F8-D85494DF12F3}"/>
+          <p:cNvPr id="9" name="Imagem 8">
+            <a:extLst>
+              <a:ext uri="{FF2B5EF4-FFF2-40B4-BE49-F238E27FC236}">
+                <a16:creationId xmlns:a16="http://schemas.microsoft.com/office/drawing/2014/main" id="{4FDAD346-88BC-92D6-8246-FB797C457ABD}"/>
               </a:ext>
             </a:extLst>
           </p:cNvPr>
@@ -3350,8 +3355,8 @@
         </p:blipFill>
         <p:spPr>
           <a:xfrm>
-            <a:off x="2258131" y="2762337"/>
-            <a:ext cx="7675736" cy="2993288"/>
+            <a:off x="1985722" y="1102375"/>
+            <a:ext cx="8220555" cy="805937"/>
           </a:xfrm>
           <a:prstGeom prst="rect">
             <a:avLst/>
@@ -3360,10 +3365,10 @@
       </p:pic>
       <p:pic>
         <p:nvPicPr>
-          <p:cNvPr id="9" name="Imagem 8">
-            <a:extLst>
-              <a:ext uri="{FF2B5EF4-FFF2-40B4-BE49-F238E27FC236}">
-                <a16:creationId xmlns:a16="http://schemas.microsoft.com/office/drawing/2014/main" id="{4FDAD346-88BC-92D6-8246-FB797C457ABD}"/>
+          <p:cNvPr id="3" name="Imagem 2">
+            <a:extLst>
+              <a:ext uri="{FF2B5EF4-FFF2-40B4-BE49-F238E27FC236}">
+                <a16:creationId xmlns:a16="http://schemas.microsoft.com/office/drawing/2014/main" id="{3F1A5B5C-609D-73B5-49B4-B7834B37B381}"/>
               </a:ext>
             </a:extLst>
           </p:cNvPr>
@@ -3380,8 +3385,8 @@
         </p:blipFill>
         <p:spPr>
           <a:xfrm>
-            <a:off x="1985722" y="1102375"/>
-            <a:ext cx="8220555" cy="805937"/>
+            <a:off x="2773522" y="3119266"/>
+            <a:ext cx="6644955" cy="2884719"/>
           </a:xfrm>
           <a:prstGeom prst="rect">
             <a:avLst/>
